--- a/项目说明和相关的配置、依赖/电商平台用户行为分析.pptx
+++ b/项目说明和相关的配置、依赖/电商平台用户行为分析.pptx
@@ -557,7 +557,7 @@
           <a:p>
             <a:fld id="{83284890-85D2-4D7B-8EF5-15A9C1DB8F42}" type="datetimeFigureOut">
               <a:rPr lang="en-US" dirty="0"/>
-              <a:t>9/29/2019</a:t>
+              <a:t>11/9/2019</a:t>
             </a:fld>
             <a:endParaRPr lang="en-US" dirty="0"/>
           </a:p>
@@ -732,7 +732,7 @@
           <a:p>
             <a:fld id="{87157CC2-0FC8-4686-B024-99790E0F5162}" type="datetimeFigureOut">
               <a:rPr lang="en-US" dirty="0"/>
-              <a:t>9/29/2019</a:t>
+              <a:t>11/9/2019</a:t>
             </a:fld>
             <a:endParaRPr lang="en-US" dirty="0"/>
           </a:p>
@@ -907,7 +907,7 @@
           <a:p>
             <a:fld id="{F6764DA5-CD3D-4590-A511-FCD3BC7A793E}" type="datetimeFigureOut">
               <a:rPr lang="en-US" dirty="0"/>
-              <a:t>9/29/2019</a:t>
+              <a:t>11/9/2019</a:t>
             </a:fld>
             <a:endParaRPr lang="en-US" dirty="0"/>
           </a:p>
@@ -1072,7 +1072,7 @@
           <a:p>
             <a:fld id="{82F5661D-6934-4B32-B92C-470368BF1EC6}" type="datetimeFigureOut">
               <a:rPr lang="en-US" dirty="0"/>
-              <a:t>9/29/2019</a:t>
+              <a:t>11/9/2019</a:t>
             </a:fld>
             <a:endParaRPr lang="en-US" dirty="0"/>
           </a:p>
@@ -1380,7 +1380,7 @@
           <a:p>
             <a:fld id="{C6F822A4-8DA6-4447-9B1F-C5DB58435268}" type="datetimeFigureOut">
               <a:rPr lang="en-US" dirty="0"/>
-              <a:t>9/29/2019</a:t>
+              <a:t>11/9/2019</a:t>
             </a:fld>
             <a:endParaRPr lang="en-US" dirty="0"/>
           </a:p>
@@ -1762,7 +1762,7 @@
           <a:p>
             <a:fld id="{E548D31E-DCDA-41A7-9C67-C4B11B94D21D}" type="datetimeFigureOut">
               <a:rPr lang="en-US" dirty="0"/>
-              <a:t>9/29/2019</a:t>
+              <a:t>11/9/2019</a:t>
             </a:fld>
             <a:endParaRPr lang="en-US" dirty="0"/>
           </a:p>
@@ -2191,7 +2191,7 @@
           <a:p>
             <a:fld id="{9B3762C0-B258-48F1-ADE6-176B4174CCDD}" type="datetimeFigureOut">
               <a:rPr lang="en-US" dirty="0"/>
-              <a:t>9/29/2019</a:t>
+              <a:t>11/9/2019</a:t>
             </a:fld>
             <a:endParaRPr lang="en-US" dirty="0"/>
           </a:p>
@@ -2304,7 +2304,7 @@
           <a:p>
             <a:fld id="{677919A6-33EB-49BD-A62F-1FA56B9F9712}" type="datetimeFigureOut">
               <a:rPr lang="en-US" dirty="0"/>
-              <a:t>9/29/2019</a:t>
+              <a:t>11/9/2019</a:t>
             </a:fld>
             <a:endParaRPr lang="en-US" dirty="0"/>
           </a:p>
@@ -2394,7 +2394,7 @@
           <a:p>
             <a:fld id="{CA4E7D1B-D673-4CF6-8672-009D42ABD2A0}" type="datetimeFigureOut">
               <a:rPr lang="en-US" dirty="0"/>
-              <a:t>9/29/2019</a:t>
+              <a:t>11/9/2019</a:t>
             </a:fld>
             <a:endParaRPr lang="en-US" dirty="0"/>
           </a:p>
@@ -2739,7 +2739,7 @@
           <a:p>
             <a:fld id="{DA16AA21-1863-4931-97CB-99D0A168701B}" type="datetimeFigureOut">
               <a:rPr lang="en-US" dirty="0"/>
-              <a:t>9/29/2019</a:t>
+              <a:t>11/9/2019</a:t>
             </a:fld>
             <a:endParaRPr lang="en-US" dirty="0"/>
           </a:p>
@@ -3159,7 +3159,7 @@
           <a:p>
             <a:fld id="{3772C379-9A7C-4C87-A116-CBE9F58B04C5}" type="datetimeFigureOut">
               <a:rPr lang="en-US" dirty="0"/>
-              <a:t>9/29/2019</a:t>
+              <a:t>11/9/2019</a:t>
             </a:fld>
             <a:endParaRPr lang="en-US" dirty="0"/>
           </a:p>
@@ -3435,7 +3435,7 @@
           <a:p>
             <a:fld id="{8664C608-40B1-4030-A28D-5B74BC98ADCE}" type="datetimeFigureOut">
               <a:rPr lang="en-US" dirty="0"/>
-              <a:t>9/29/2019</a:t>
+              <a:t>11/9/2019</a:t>
             </a:fld>
             <a:endParaRPr lang="en-US" dirty="0"/>
           </a:p>
@@ -5911,7 +5911,7 @@
           <p:nvPr>
             <p:extLst>
               <p:ext uri="{D42A27DB-BD31-4B8C-83A1-F6EECF244321}">
-                <p14:modId xmlns:p14="http://schemas.microsoft.com/office/powerpoint/2010/main" val="2977861150"/>
+                <p14:modId xmlns:p14="http://schemas.microsoft.com/office/powerpoint/2010/main" val="1676914292"/>
               </p:ext>
             </p:extLst>
           </p:nvPr>
@@ -6000,7 +6000,7 @@
                     <a:p>
                       <a:r>
                         <a:rPr lang="zh-CN" altLang="en-US" sz="2400" dirty="0"/>
-                        <a:t>数据挖掘</a:t>
+                        <a:t>数据模拟</a:t>
                       </a:r>
                     </a:p>
                   </a:txBody>
@@ -6034,7 +6034,7 @@
                         <a:t>个进程模拟，</a:t>
                       </a:r>
                       <a:r>
-                        <a:rPr lang="en-US" altLang="zh-CN" sz="2400" dirty="0" err="1"/>
+                        <a:rPr lang="en-US" altLang="zh-CN" sz="2400" dirty="0"/>
                         <a:t>httpclient</a:t>
                       </a:r>
                       <a:endParaRPr lang="zh-CN" altLang="en-US" sz="2400" dirty="0"/>
@@ -6111,7 +6111,7 @@
                         <a:t>，</a:t>
                       </a:r>
                       <a:r>
-                        <a:rPr lang="en-US" altLang="zh-CN" sz="2400" dirty="0" err="1"/>
+                        <a:rPr lang="en-US" altLang="zh-CN" sz="2400" dirty="0"/>
                         <a:t>kafka</a:t>
                       </a:r>
                       <a:endParaRPr lang="zh-CN" altLang="en-US" sz="2400" dirty="0"/>
@@ -6224,7 +6224,7 @@
                     <a:lstStyle/>
                     <a:p>
                       <a:r>
-                        <a:rPr lang="en-US" altLang="zh-CN" sz="2400" dirty="0" err="1"/>
+                        <a:rPr lang="en-US" altLang="zh-CN" sz="2400" dirty="0"/>
                         <a:t>Hdfs</a:t>
                       </a:r>
                       <a:r>
@@ -6232,7 +6232,7 @@
                         <a:t>，</a:t>
                       </a:r>
                       <a:r>
-                        <a:rPr lang="en-US" altLang="zh-CN" sz="2400" dirty="0" err="1"/>
+                        <a:rPr lang="en-US" altLang="zh-CN" sz="2400" dirty="0"/>
                         <a:t>hbase</a:t>
                       </a:r>
                       <a:r>
@@ -6248,7 +6248,7 @@
                         <a:t>，</a:t>
                       </a:r>
                       <a:r>
-                        <a:rPr lang="en-US" altLang="zh-CN" sz="2400" dirty="0" err="1"/>
+                        <a:rPr lang="en-US" altLang="zh-CN" sz="2400" dirty="0"/>
                         <a:t>zk</a:t>
                       </a:r>
                       <a:endParaRPr lang="zh-CN" altLang="en-US" sz="2400" dirty="0"/>
@@ -6296,7 +6296,7 @@
                     <a:lstStyle/>
                     <a:p>
                       <a:r>
-                        <a:rPr lang="en-US" altLang="zh-CN" sz="2400" dirty="0" err="1"/>
+                        <a:rPr lang="en-US" altLang="zh-CN" sz="2400" dirty="0"/>
                         <a:t>Sparkcore</a:t>
                       </a:r>
                       <a:r>
@@ -6304,7 +6304,7 @@
                         <a:t>，</a:t>
                       </a:r>
                       <a:r>
-                        <a:rPr lang="en-US" altLang="zh-CN" sz="2400" dirty="0" err="1"/>
+                        <a:rPr lang="en-US" altLang="zh-CN" sz="2400" dirty="0"/>
                         <a:t>sparkSQL</a:t>
                       </a:r>
                       <a:endParaRPr lang="zh-CN" altLang="en-US" sz="2400" dirty="0"/>
@@ -6348,7 +6348,7 @@
                     <a:lstStyle/>
                     <a:p>
                       <a:r>
-                        <a:rPr lang="en-US" altLang="zh-CN" sz="2400" dirty="0" err="1"/>
+                        <a:rPr lang="en-US" altLang="zh-CN" sz="2400" dirty="0"/>
                         <a:t>sparkStreaming</a:t>
                       </a:r>
                       <a:endParaRPr lang="zh-CN" altLang="en-US" sz="2400" dirty="0"/>
@@ -6392,7 +6392,7 @@
                     <a:lstStyle/>
                     <a:p>
                       <a:r>
-                        <a:rPr lang="en-US" altLang="zh-CN" sz="2400" dirty="0" err="1"/>
+                        <a:rPr lang="en-US" altLang="zh-CN" sz="2400" dirty="0"/>
                         <a:t>Springboot,thymeleaf,echarts</a:t>
                       </a:r>
                       <a:endParaRPr lang="zh-CN" altLang="en-US" sz="2400" dirty="0"/>
@@ -6628,12 +6628,12 @@
                         </a:spcAft>
                       </a:pPr>
                       <a:r>
-                        <a:rPr lang="en-US" sz="2000" kern="0">
+                        <a:rPr lang="en-US" sz="2000" kern="0" dirty="0">
                           <a:effectLst/>
                         </a:rPr>
                         <a:t> </a:t>
                       </a:r>
-                      <a:endParaRPr lang="zh-CN" sz="2000" kern="100">
+                      <a:endParaRPr lang="zh-CN" sz="2000" kern="100" dirty="0">
                         <a:effectLst/>
                         <a:latin typeface="等线" panose="02010600030101010101" pitchFamily="2" charset="-122"/>
                         <a:ea typeface="等线" panose="02010600030101010101" pitchFamily="2" charset="-122"/>
@@ -6862,7 +6862,7 @@
                         </a:spcAft>
                       </a:pPr>
                       <a:r>
-                        <a:rPr lang="en-US" sz="2000" kern="0">
+                        <a:rPr lang="en-US" sz="2000" kern="0" dirty="0">
                           <a:effectLst/>
                         </a:rPr>
                         <a:t>node6</a:t>
@@ -7029,7 +7029,7 @@
                         <a:t> </a:t>
                       </a:r>
                       <a:r>
-                        <a:rPr lang="en-US" altLang="zh-CN" sz="2000" kern="0" dirty="0" err="1">
+                        <a:rPr lang="en-US" altLang="zh-CN" sz="2000" kern="0" dirty="0">
                           <a:effectLst/>
                         </a:rPr>
                         <a:t>hdfs</a:t>
@@ -7214,7 +7214,7 @@
                         </a:spcAft>
                       </a:pPr>
                       <a:r>
-                        <a:rPr lang="en-US" sz="2000" kern="0">
+                        <a:rPr lang="en-US" sz="2000" kern="0" dirty="0">
                           <a:effectLst/>
                         </a:rPr>
                         <a:t> </a:t>
@@ -7243,7 +7243,7 @@
                         </a:spcAft>
                       </a:pPr>
                       <a:r>
-                        <a:rPr lang="en-US" sz="2000" kern="0">
+                        <a:rPr lang="en-US" sz="2000" kern="0" dirty="0">
                           <a:effectLst/>
                         </a:rPr>
                         <a:t> </a:t>
@@ -7383,7 +7383,7 @@
                         <a:t> </a:t>
                       </a:r>
                       <a:r>
-                        <a:rPr lang="en-US" altLang="zh-CN" sz="2000" kern="0" dirty="0" err="1">
+                        <a:rPr lang="en-US" altLang="zh-CN" sz="2000" kern="0" dirty="0">
                           <a:effectLst/>
                         </a:rPr>
                         <a:t>zk</a:t>
@@ -7546,7 +7546,7 @@
                         </a:spcAft>
                       </a:pPr>
                       <a:r>
-                        <a:rPr lang="en-US" sz="2000" kern="0">
+                        <a:rPr lang="en-US" sz="2000" kern="0" dirty="0">
                           <a:effectLst/>
                         </a:rPr>
                         <a:t> </a:t>
@@ -7575,7 +7575,7 @@
                         </a:spcAft>
                       </a:pPr>
                       <a:r>
-                        <a:rPr lang="en-US" sz="2000" kern="0">
+                        <a:rPr lang="en-US" sz="2000" kern="0" dirty="0">
                           <a:effectLst/>
                         </a:rPr>
                         <a:t> </a:t>
@@ -7604,7 +7604,7 @@
                         </a:spcAft>
                       </a:pPr>
                       <a:r>
-                        <a:rPr lang="en-US" sz="2000" kern="0">
+                        <a:rPr lang="en-US" sz="2000" kern="0" dirty="0">
                           <a:effectLst/>
                         </a:rPr>
                         <a:t> </a:t>
@@ -8026,12 +8026,12 @@
                         </a:spcAft>
                       </a:pPr>
                       <a:r>
-                        <a:rPr lang="en-US" sz="2000" kern="0">
+                        <a:rPr lang="en-US" sz="2000" kern="0" dirty="0">
                           <a:effectLst/>
                         </a:rPr>
                         <a:t>nginx</a:t>
                       </a:r>
-                      <a:endParaRPr lang="zh-CN" sz="2000" kern="100">
+                      <a:endParaRPr lang="zh-CN" sz="2000" kern="100" dirty="0">
                         <a:effectLst/>
                         <a:latin typeface="等线" panose="02010600030101010101" pitchFamily="2" charset="-122"/>
                         <a:ea typeface="等线" panose="02010600030101010101" pitchFamily="2" charset="-122"/>
@@ -8055,7 +8055,7 @@
                         </a:spcAft>
                       </a:pPr>
                       <a:r>
-                        <a:rPr lang="en-US" sz="2000" kern="0">
+                        <a:rPr lang="en-US" sz="2000" kern="0" dirty="0">
                           <a:effectLst/>
                         </a:rPr>
                         <a:t> </a:t>
@@ -8084,7 +8084,7 @@
                         </a:spcAft>
                       </a:pPr>
                       <a:r>
-                        <a:rPr lang="en-US" sz="2000" kern="0">
+                        <a:rPr lang="en-US" sz="2000" kern="0" dirty="0">
                           <a:effectLst/>
                         </a:rPr>
                         <a:t> </a:t>
@@ -8113,7 +8113,7 @@
                         </a:spcAft>
                       </a:pPr>
                       <a:r>
-                        <a:rPr lang="en-US" sz="2000" kern="0">
+                        <a:rPr lang="en-US" sz="2000" kern="0" dirty="0">
                           <a:effectLst/>
                         </a:rPr>
                         <a:t> </a:t>
@@ -8142,7 +8142,7 @@
                         </a:spcAft>
                       </a:pPr>
                       <a:r>
-                        <a:rPr lang="en-US" sz="2000" kern="0">
+                        <a:rPr lang="en-US" sz="2000" kern="0" dirty="0">
                           <a:effectLst/>
                         </a:rPr>
                         <a:t> </a:t>
@@ -8171,7 +8171,7 @@
                         </a:spcAft>
                       </a:pPr>
                       <a:r>
-                        <a:rPr lang="en-US" sz="2000" kern="0">
+                        <a:rPr lang="en-US" sz="2000" kern="0" dirty="0">
                           <a:effectLst/>
                         </a:rPr>
                         <a:t> </a:t>
@@ -8241,7 +8241,7 @@
                         </a:spcAft>
                       </a:pPr>
                       <a:r>
-                        <a:rPr lang="en-US" sz="2000" kern="0">
+                        <a:rPr lang="en-US" sz="2000" kern="0" dirty="0">
                           <a:effectLst/>
                         </a:rPr>
                         <a:t> </a:t>
@@ -8346,7 +8346,7 @@
                         </a:spcAft>
                       </a:pPr>
                       <a:r>
-                        <a:rPr lang="en-US" sz="2000" kern="0">
+                        <a:rPr lang="en-US" sz="2000" kern="0" dirty="0">
                           <a:effectLst/>
                         </a:rPr>
                         <a:t>flume</a:t>
@@ -8375,7 +8375,7 @@
                         </a:spcAft>
                       </a:pPr>
                       <a:r>
-                        <a:rPr lang="en-US" sz="2000" kern="0">
+                        <a:rPr lang="en-US" sz="2000" kern="0" dirty="0">
                           <a:effectLst/>
                         </a:rPr>
                         <a:t> </a:t>
@@ -8404,7 +8404,7 @@
                         </a:spcAft>
                       </a:pPr>
                       <a:r>
-                        <a:rPr lang="en-US" sz="2000" kern="0">
+                        <a:rPr lang="en-US" sz="2000" kern="0" dirty="0">
                           <a:effectLst/>
                         </a:rPr>
                         <a:t> </a:t>
@@ -8433,7 +8433,7 @@
                         </a:spcAft>
                       </a:pPr>
                       <a:r>
-                        <a:rPr lang="en-US" sz="2000" kern="0">
+                        <a:rPr lang="en-US" sz="2000" kern="0" dirty="0">
                           <a:effectLst/>
                         </a:rPr>
                         <a:t> </a:t>
@@ -8462,7 +8462,7 @@
                         </a:spcAft>
                       </a:pPr>
                       <a:r>
-                        <a:rPr lang="en-US" sz="2000" kern="0">
+                        <a:rPr lang="en-US" sz="2000" kern="0" dirty="0">
                           <a:effectLst/>
                         </a:rPr>
                         <a:t> </a:t>
@@ -8491,7 +8491,7 @@
                         </a:spcAft>
                       </a:pPr>
                       <a:r>
-                        <a:rPr lang="en-US" sz="2000" kern="0">
+                        <a:rPr lang="en-US" sz="2000" kern="0" dirty="0">
                           <a:effectLst/>
                         </a:rPr>
                         <a:t> </a:t>
@@ -8666,7 +8666,7 @@
                         </a:spcAft>
                       </a:pPr>
                       <a:r>
-                        <a:rPr lang="en-US" sz="2000" kern="0">
+                        <a:rPr lang="en-US" sz="2000" kern="0" dirty="0">
                           <a:effectLst/>
                         </a:rPr>
                         <a:t>hive</a:t>
@@ -8695,7 +8695,7 @@
                         </a:spcAft>
                       </a:pPr>
                       <a:r>
-                        <a:rPr lang="en-US" sz="2000" kern="0">
+                        <a:rPr lang="en-US" sz="2000" kern="0" dirty="0">
                           <a:effectLst/>
                         </a:rPr>
                         <a:t> </a:t>
@@ -8724,7 +8724,7 @@
                         </a:spcAft>
                       </a:pPr>
                       <a:r>
-                        <a:rPr lang="en-US" sz="2000" kern="0">
+                        <a:rPr lang="en-US" sz="2000" kern="0" dirty="0">
                           <a:effectLst/>
                         </a:rPr>
                         <a:t> </a:t>
@@ -8814,7 +8814,7 @@
                         </a:spcAft>
                       </a:pPr>
                       <a:r>
-                        <a:rPr lang="en-US" sz="2000" kern="0">
+                        <a:rPr lang="en-US" sz="2000" kern="0" dirty="0">
                           <a:effectLst/>
                         </a:rPr>
                         <a:t> </a:t>
@@ -8843,7 +8843,7 @@
                         </a:spcAft>
                       </a:pPr>
                       <a:r>
-                        <a:rPr lang="en-US" sz="2000" kern="0">
+                        <a:rPr lang="en-US" sz="2000" kern="0" dirty="0">
                           <a:effectLst/>
                         </a:rPr>
                         <a:t> </a:t>
@@ -8872,7 +8872,7 @@
                         </a:spcAft>
                       </a:pPr>
                       <a:r>
-                        <a:rPr lang="en-US" sz="2000" kern="0">
+                        <a:rPr lang="en-US" sz="2000" kern="0" dirty="0">
                           <a:effectLst/>
                         </a:rPr>
                         <a:t> </a:t>
@@ -8977,12 +8977,12 @@
                         </a:spcAft>
                       </a:pPr>
                       <a:r>
-                        <a:rPr lang="en-US" sz="2000" kern="0">
+                        <a:rPr lang="en-US" sz="2000" kern="0" dirty="0">
                           <a:effectLst/>
                         </a:rPr>
                         <a:t>hbase</a:t>
                       </a:r>
-                      <a:endParaRPr lang="zh-CN" sz="2000" kern="100">
+                      <a:endParaRPr lang="zh-CN" sz="2000" kern="100" dirty="0">
                         <a:effectLst/>
                         <a:latin typeface="等线" panose="02010600030101010101" pitchFamily="2" charset="-122"/>
                         <a:ea typeface="等线" panose="02010600030101010101" pitchFamily="2" charset="-122"/>
@@ -9169,7 +9169,7 @@
                         </a:spcAft>
                       </a:pPr>
                       <a:r>
-                        <a:rPr lang="en-US" sz="2000" kern="0">
+                        <a:rPr lang="en-US" sz="2000" kern="0" dirty="0">
                           <a:effectLst/>
                         </a:rPr>
                         <a:t> </a:t>
@@ -9198,7 +9198,7 @@
                         </a:spcAft>
                       </a:pPr>
                       <a:r>
-                        <a:rPr lang="en-US" sz="2000" kern="0">
+                        <a:rPr lang="en-US" sz="2000" kern="0" dirty="0">
                           <a:effectLst/>
                         </a:rPr>
                         <a:t> </a:t>
@@ -9306,13 +9306,7 @@
                         <a:rPr lang="en-US" sz="2000" kern="0" dirty="0">
                           <a:effectLst/>
                         </a:rPr>
-                        <a:t> </a:t>
-                      </a:r>
-                      <a:r>
-                        <a:rPr lang="en-US" sz="2000" kern="0" dirty="0" err="1">
-                          <a:effectLst/>
-                        </a:rPr>
-                        <a:t>kafka</a:t>
+                        <a:t> kafka</a:t>
                       </a:r>
                       <a:endParaRPr lang="zh-CN" sz="2000" kern="100" dirty="0">
                         <a:effectLst/>
@@ -9338,7 +9332,7 @@
                         </a:spcAft>
                       </a:pPr>
                       <a:r>
-                        <a:rPr lang="en-US" sz="2000" kern="0">
+                        <a:rPr lang="en-US" sz="2000" kern="0" dirty="0">
                           <a:effectLst/>
                         </a:rPr>
                         <a:t> </a:t>
@@ -9367,7 +9361,7 @@
                         </a:spcAft>
                       </a:pPr>
                       <a:r>
-                        <a:rPr lang="en-US" sz="2000" kern="0">
+                        <a:rPr lang="en-US" sz="2000" kern="0" dirty="0">
                           <a:effectLst/>
                         </a:rPr>
                         <a:t> </a:t>
@@ -9396,7 +9390,7 @@
                         </a:spcAft>
                       </a:pPr>
                       <a:r>
-                        <a:rPr lang="en-US" sz="2000" kern="0">
+                        <a:rPr lang="en-US" sz="2000" kern="0" dirty="0">
                           <a:effectLst/>
                         </a:rPr>
                         <a:t> </a:t>
@@ -9425,7 +9419,7 @@
                         </a:spcAft>
                       </a:pPr>
                       <a:r>
-                        <a:rPr lang="en-US" sz="2000" kern="0">
+                        <a:rPr lang="en-US" sz="2000" kern="0" dirty="0">
                           <a:effectLst/>
                         </a:rPr>
                         <a:t> </a:t>
@@ -9454,7 +9448,7 @@
                         </a:spcAft>
                       </a:pPr>
                       <a:r>
-                        <a:rPr lang="en-US" sz="2000" kern="0">
+                        <a:rPr lang="en-US" sz="2000" kern="0" dirty="0">
                           <a:effectLst/>
                         </a:rPr>
                         <a:t> </a:t>
@@ -9483,7 +9477,7 @@
                         </a:spcAft>
                       </a:pPr>
                       <a:r>
-                        <a:rPr lang="en-US" sz="2000" kern="0">
+                        <a:rPr lang="en-US" sz="2000" kern="0" dirty="0">
                           <a:effectLst/>
                         </a:rPr>
                         <a:t> </a:t>
@@ -9777,7 +9771,7 @@
               <a:t>下加入</a:t>
             </a:r>
             <a:r>
-              <a:rPr lang="en-US" altLang="zh-CN" dirty="0" err="1"/>
+              <a:rPr lang="en-US" altLang="zh-CN" dirty="0"/>
               <a:t>hbase</a:t>
             </a:r>
             <a:r>
@@ -9933,7 +9927,7 @@
               <a:t>已经关联了</a:t>
             </a:r>
             <a:r>
-              <a:rPr lang="en-US" altLang="zh-CN" dirty="0" err="1"/>
+              <a:rPr lang="en-US" altLang="zh-CN" dirty="0"/>
               <a:t>hbase</a:t>
             </a:r>
             <a:r>
@@ -10486,12 +10480,8 @@
               <a:rPr lang="en-US" altLang="zh-CN" dirty="0"/>
             </a:br>
             <a:r>
-              <a:rPr lang="en-US" altLang="zh-CN" dirty="0" err="1"/>
-              <a:t>nginx</a:t>
-            </a:r>
-            <a:r>
               <a:rPr lang="en-US" altLang="zh-CN" dirty="0"/>
-              <a:t> + agent</a:t>
+              <a:t>nginx + agent</a:t>
             </a:r>
             <a:endParaRPr lang="zh-CN" altLang="en-US" dirty="0"/>
           </a:p>
@@ -10674,12 +10664,8 @@
               <a:rPr lang="en-US" altLang="zh-CN" dirty="0"/>
             </a:br>
             <a:r>
-              <a:rPr lang="en-US" altLang="zh-CN" dirty="0" err="1"/>
-              <a:t>nginx</a:t>
-            </a:r>
-            <a:r>
               <a:rPr lang="en-US" altLang="zh-CN" dirty="0"/>
-              <a:t> + agent</a:t>
+              <a:t>nginx + agent</a:t>
             </a:r>
             <a:endParaRPr lang="zh-CN" altLang="en-US" dirty="0"/>
           </a:p>
@@ -10739,12 +10725,8 @@
               <a:rPr lang="en-US" altLang="zh-CN" dirty="0"/>
             </a:br>
             <a:r>
-              <a:rPr lang="en-US" altLang="zh-CN" dirty="0" err="1"/>
-              <a:t>nginx</a:t>
-            </a:r>
-            <a:r>
               <a:rPr lang="en-US" altLang="zh-CN" dirty="0"/>
-              <a:t> + agent</a:t>
+              <a:t>nginx + agent</a:t>
             </a:r>
             <a:endParaRPr lang="zh-CN" altLang="en-US" dirty="0"/>
           </a:p>
@@ -10982,20 +10964,12 @@
           <a:p>
             <a:pPr algn="ctr"/>
             <a:r>
-              <a:rPr lang="en-US" altLang="zh-CN" dirty="0" err="1">
-                <a:solidFill>
-                  <a:srgbClr val="00B0F0"/>
-                </a:solidFill>
-              </a:rPr>
-              <a:t>Hbase</a:t>
-            </a:r>
-            <a:r>
               <a:rPr lang="en-US" altLang="zh-CN" dirty="0">
                 <a:solidFill>
                   <a:srgbClr val="00B0F0"/>
                 </a:solidFill>
               </a:rPr>
-              <a:t> HA</a:t>
+              <a:t>Hbase HA</a:t>
             </a:r>
             <a:endParaRPr lang="zh-CN" altLang="en-US" dirty="0">
               <a:solidFill>
@@ -12142,7 +12116,7 @@
           <a:p>
             <a:pPr algn="ctr"/>
             <a:r>
-              <a:rPr lang="en-US" altLang="zh-CN" dirty="0" err="1">
+              <a:rPr lang="en-US" altLang="zh-CN" dirty="0">
                 <a:solidFill>
                   <a:srgbClr val="00B0F0"/>
                 </a:solidFill>
@@ -12604,14 +12578,11 @@
               <a:buNone/>
             </a:pPr>
             <a:r>
-              <a:rPr lang="en-US" altLang="zh-CN" sz="1400" dirty="0" err="1">
+              <a:rPr lang="en-US" altLang="zh-CN" sz="1400" dirty="0">
                 <a:latin typeface="+mn-ea"/>
               </a:rPr>
               <a:t>nginx</a:t>
             </a:r>
-            <a:endParaRPr lang="en-US" altLang="zh-CN" sz="1400" dirty="0">
-              <a:latin typeface="+mn-ea"/>
-            </a:endParaRPr>
           </a:p>
           <a:p>
             <a:pPr marL="274320" lvl="1" indent="0">
@@ -12639,31 +12610,7 @@
               <a:rPr lang="en-US" altLang="zh-CN" sz="1200" dirty="0">
                 <a:latin typeface="+mn-ea"/>
               </a:rPr>
-              <a:t>/</a:t>
-            </a:r>
-            <a:r>
-              <a:rPr lang="en-US" altLang="zh-CN" sz="1200" dirty="0" err="1">
-                <a:latin typeface="+mn-ea"/>
-              </a:rPr>
-              <a:t>nginx</a:t>
-            </a:r>
-            <a:r>
-              <a:rPr lang="en-US" altLang="zh-CN" sz="1200" dirty="0">
-                <a:latin typeface="+mn-ea"/>
-              </a:rPr>
-              <a:t> -c /opt/bd/</a:t>
-            </a:r>
-            <a:r>
-              <a:rPr lang="en-US" altLang="zh-CN" sz="1200" dirty="0" err="1">
-                <a:latin typeface="+mn-ea"/>
-              </a:rPr>
-              <a:t>nginx</a:t>
-            </a:r>
-            <a:r>
-              <a:rPr lang="en-US" altLang="zh-CN" sz="1200" dirty="0">
-                <a:latin typeface="+mn-ea"/>
-              </a:rPr>
-              <a:t>/conf/</a:t>
+              <a:t>/nginx -c /opt/bd/nginx/conf/</a:t>
             </a:r>
             <a:r>
               <a:rPr lang="en-US" altLang="zh-CN" sz="1200" dirty="0" err="1">
@@ -12701,31 +12648,7 @@
               <a:rPr lang="en-US" altLang="zh-CN" sz="1200" dirty="0">
                 <a:latin typeface="+mn-ea"/>
               </a:rPr>
-              <a:t>/</a:t>
-            </a:r>
-            <a:r>
-              <a:rPr lang="en-US" altLang="zh-CN" sz="1200" dirty="0" err="1">
-                <a:latin typeface="+mn-ea"/>
-              </a:rPr>
-              <a:t>nginx</a:t>
-            </a:r>
-            <a:r>
-              <a:rPr lang="en-US" altLang="zh-CN" sz="1200" dirty="0">
-                <a:latin typeface="+mn-ea"/>
-              </a:rPr>
-              <a:t> -c /opt/bd/</a:t>
-            </a:r>
-            <a:r>
-              <a:rPr lang="en-US" altLang="zh-CN" sz="1200" dirty="0" err="1">
-                <a:latin typeface="+mn-ea"/>
-              </a:rPr>
-              <a:t>nginx</a:t>
-            </a:r>
-            <a:r>
-              <a:rPr lang="en-US" altLang="zh-CN" sz="1200" dirty="0">
-                <a:latin typeface="+mn-ea"/>
-              </a:rPr>
-              <a:t>/conf/</a:t>
+              <a:t>/nginx -c /opt/bd/nginx/conf/</a:t>
             </a:r>
             <a:r>
               <a:rPr lang="en-US" altLang="zh-CN" sz="1200" dirty="0" err="1">
@@ -12763,31 +12686,7 @@
               <a:rPr lang="en-US" altLang="zh-CN" sz="1200" dirty="0">
                 <a:latin typeface="+mn-ea"/>
               </a:rPr>
-              <a:t>/</a:t>
-            </a:r>
-            <a:r>
-              <a:rPr lang="en-US" altLang="zh-CN" sz="1200" dirty="0" err="1">
-                <a:latin typeface="+mn-ea"/>
-              </a:rPr>
-              <a:t>nginx</a:t>
-            </a:r>
-            <a:r>
-              <a:rPr lang="en-US" altLang="zh-CN" sz="1200" dirty="0">
-                <a:latin typeface="+mn-ea"/>
-              </a:rPr>
-              <a:t> -c /opt/bd/</a:t>
-            </a:r>
-            <a:r>
-              <a:rPr lang="en-US" altLang="zh-CN" sz="1200" dirty="0" err="1">
-                <a:latin typeface="+mn-ea"/>
-              </a:rPr>
-              <a:t>nginx</a:t>
-            </a:r>
-            <a:r>
-              <a:rPr lang="en-US" altLang="zh-CN" sz="1200" dirty="0">
-                <a:latin typeface="+mn-ea"/>
-              </a:rPr>
-              <a:t>/conf/</a:t>
+              <a:t>/nginx -c /opt/bd/nginx/conf/</a:t>
             </a:r>
             <a:r>
               <a:rPr lang="en-US" altLang="zh-CN" sz="1200" dirty="0" err="1">
@@ -12813,28 +12712,16 @@
               <a:rPr lang="en-US" altLang="zh-CN" sz="1200" dirty="0">
                 <a:latin typeface="+mn-ea"/>
               </a:rPr>
-              <a:t>service </a:t>
-            </a:r>
-            <a:r>
-              <a:rPr lang="en-US" altLang="zh-CN" sz="1200" dirty="0" err="1">
-                <a:latin typeface="+mn-ea"/>
-              </a:rPr>
-              <a:t>nginx</a:t>
+              <a:t>service nginx stop </a:t>
+            </a:r>
+            <a:r>
+              <a:rPr lang="zh-CN" altLang="en-US" sz="1200" dirty="0">
+                <a:latin typeface="+mn-ea"/>
+              </a:rPr>
+              <a:t>会将所有</a:t>
             </a:r>
             <a:r>
               <a:rPr lang="en-US" altLang="zh-CN" sz="1200" dirty="0">
-                <a:latin typeface="+mn-ea"/>
-              </a:rPr>
-              <a:t> stop </a:t>
-            </a:r>
-            <a:r>
-              <a:rPr lang="zh-CN" altLang="en-US" sz="1200" dirty="0">
-                <a:latin typeface="+mn-ea"/>
-              </a:rPr>
-              <a:t>会将所有</a:t>
-            </a:r>
-            <a:r>
-              <a:rPr lang="en-US" altLang="zh-CN" sz="1200" dirty="0" err="1">
                 <a:latin typeface="+mn-ea"/>
               </a:rPr>
               <a:t>nginx</a:t>
@@ -12860,14 +12747,11 @@
               <a:buNone/>
             </a:pPr>
             <a:r>
-              <a:rPr lang="en-US" altLang="zh-CN" sz="1400" dirty="0" err="1">
+              <a:rPr lang="en-US" altLang="zh-CN" sz="1400" dirty="0">
                 <a:latin typeface="+mn-ea"/>
               </a:rPr>
               <a:t>Hbase</a:t>
             </a:r>
-            <a:endParaRPr lang="en-US" altLang="zh-CN" sz="1400" dirty="0">
-              <a:latin typeface="+mn-ea"/>
-            </a:endParaRPr>
           </a:p>
           <a:p>
             <a:pPr marL="274320" lvl="1" indent="0">
@@ -13093,14 +12977,11 @@
               <a:buNone/>
             </a:pPr>
             <a:r>
-              <a:rPr lang="en-US" altLang="zh-CN" sz="1400" dirty="0" err="1">
+              <a:rPr lang="en-US" altLang="zh-CN" sz="1400" dirty="0">
                 <a:latin typeface="+mn-ea"/>
               </a:rPr>
               <a:t>kafka</a:t>
             </a:r>
-            <a:endParaRPr lang="en-US" altLang="zh-CN" sz="1400" dirty="0">
-              <a:latin typeface="+mn-ea"/>
-            </a:endParaRPr>
           </a:p>
           <a:p>
             <a:pPr marL="274320" lvl="1" indent="0">
@@ -14236,7 +14117,7 @@
               <a:t>中创建同</a:t>
             </a:r>
             <a:r>
-              <a:rPr lang="en-US" altLang="zh-CN" sz="1800" dirty="0" err="1"/>
+              <a:rPr lang="en-US" altLang="zh-CN" sz="1800" dirty="0"/>
               <a:t>hbase</a:t>
             </a:r>
             <a:r>
@@ -14348,7 +14229,7 @@
           <a:p>
             <a:pPr lvl="2"/>
             <a:r>
-              <a:rPr lang="en-US" altLang="zh-CN" b="1" dirty="0" err="1"/>
+              <a:rPr lang="en-US" altLang="zh-CN" b="1" dirty="0"/>
               <a:t>nginx</a:t>
             </a:r>
             <a:r>
@@ -14372,7 +14253,7 @@
               <a:t>是不会创建的，而且</a:t>
             </a:r>
             <a:r>
-              <a:rPr lang="en-US" altLang="zh-CN" b="1" dirty="0" err="1"/>
+              <a:rPr lang="en-US" altLang="zh-CN" b="1" dirty="0"/>
               <a:t>nginx</a:t>
             </a:r>
             <a:r>
@@ -14425,7 +14306,7 @@
               <a:t>如果设置跟</a:t>
             </a:r>
             <a:r>
-              <a:rPr lang="en-US" altLang="zh-CN" b="1" dirty="0" err="1"/>
+              <a:rPr lang="en-US" altLang="zh-CN" b="1" dirty="0"/>
               <a:t>hbase</a:t>
             </a:r>
             <a:r>
@@ -14433,7 +14314,7 @@
               <a:t>关联，则启动时需要启动</a:t>
             </a:r>
             <a:r>
-              <a:rPr lang="en-US" altLang="zh-CN" b="1" dirty="0" err="1"/>
+              <a:rPr lang="en-US" altLang="zh-CN" b="1" dirty="0"/>
               <a:t>zk</a:t>
             </a:r>
             <a:r>
@@ -14441,7 +14322,7 @@
               <a:t>和</a:t>
             </a:r>
             <a:r>
-              <a:rPr lang="en-US" altLang="zh-CN" b="1" dirty="0" err="1"/>
+              <a:rPr lang="en-US" altLang="zh-CN" b="1" dirty="0"/>
               <a:t>hbase</a:t>
             </a:r>
             <a:r>
@@ -14490,7 +14371,7 @@
               <a:t>这个进程必须有，没有就按上面的网址。我是</a:t>
             </a:r>
             <a:r>
-              <a:rPr lang="en-US" altLang="zh-CN" b="1" dirty="0" err="1"/>
+              <a:rPr lang="en-US" altLang="zh-CN" b="1" dirty="0"/>
               <a:t>zk</a:t>
             </a:r>
             <a:r>
@@ -14498,7 +14379,7 @@
               <a:t>的集群中换了一个节点，可能要在</a:t>
             </a:r>
             <a:r>
-              <a:rPr lang="en-US" altLang="zh-CN" b="1" dirty="0" err="1"/>
+              <a:rPr lang="en-US" altLang="zh-CN" b="1" dirty="0"/>
               <a:t>zk</a:t>
             </a:r>
             <a:r>
@@ -14853,18 +14734,13 @@
           <a:p>
             <a:pPr algn="ctr"/>
             <a:r>
-              <a:rPr lang="en-US" altLang="zh-CN" dirty="0" err="1">
+              <a:rPr lang="en-US" altLang="zh-CN" dirty="0">
                 <a:solidFill>
                   <a:srgbClr val="00B0F0"/>
                 </a:solidFill>
               </a:rPr>
               <a:t>Sparkcore</a:t>
             </a:r>
-            <a:endParaRPr lang="en-US" altLang="zh-CN" dirty="0">
-              <a:solidFill>
-                <a:srgbClr val="00B0F0"/>
-              </a:solidFill>
-            </a:endParaRPr>
           </a:p>
           <a:p>
             <a:pPr algn="ctr"/>
